--- a/project.pptx
+++ b/project.pptx
@@ -14,7 +14,8 @@
     <p:sldId id="261" r:id="rId8"/>
     <p:sldId id="263" r:id="rId9"/>
     <p:sldId id="264" r:id="rId10"/>
-    <p:sldId id="265" r:id="rId11"/>
+    <p:sldId id="266" r:id="rId11"/>
+    <p:sldId id="265" r:id="rId12"/>
   </p:sldIdLst>
   <p:sldSz cx="12192000" cy="6858000"/>
   <p:notesSz cx="6858000" cy="9144000"/>
@@ -303,7 +304,7 @@
             <a:fld id="{87DE6118-2437-4B30-8E3C-4D2BE6020583}" type="datetimeFigureOut">
               <a:rPr lang="en-US" dirty="0"/>
               <a:pPr/>
-              <a:t>1/13/2023</a:t>
+              <a:t>1/18/2023</a:t>
             </a:fld>
             <a:endParaRPr lang="en-US" dirty="0"/>
           </a:p>
@@ -629,7 +630,7 @@
           <a:p>
             <a:fld id="{87DE6118-2437-4B30-8E3C-4D2BE6020583}" type="datetimeFigureOut">
               <a:rPr lang="en-US" dirty="0"/>
-              <a:t>1/13/2023</a:t>
+              <a:t>1/18/2023</a:t>
             </a:fld>
             <a:endParaRPr lang="en-US" dirty="0"/>
           </a:p>
@@ -804,7 +805,7 @@
           <a:p>
             <a:fld id="{87DE6118-2437-4B30-8E3C-4D2BE6020583}" type="datetimeFigureOut">
               <a:rPr lang="en-US" dirty="0"/>
-              <a:t>1/13/2023</a:t>
+              <a:t>1/18/2023</a:t>
             </a:fld>
             <a:endParaRPr lang="en-US" dirty="0"/>
           </a:p>
@@ -969,7 +970,7 @@
           <a:p>
             <a:fld id="{87DE6118-2437-4B30-8E3C-4D2BE6020583}" type="datetimeFigureOut">
               <a:rPr lang="en-US" dirty="0"/>
-              <a:t>1/13/2023</a:t>
+              <a:t>1/18/2023</a:t>
             </a:fld>
             <a:endParaRPr lang="en-US" dirty="0"/>
           </a:p>
@@ -1242,7 +1243,7 @@
             <a:fld id="{87DE6118-2437-4B30-8E3C-4D2BE6020583}" type="datetimeFigureOut">
               <a:rPr lang="en-US" dirty="0"/>
               <a:pPr/>
-              <a:t>1/13/2023</a:t>
+              <a:t>1/18/2023</a:t>
             </a:fld>
             <a:endParaRPr lang="en-US" dirty="0"/>
           </a:p>
@@ -1632,7 +1633,7 @@
           <a:p>
             <a:fld id="{87DE6118-2437-4B30-8E3C-4D2BE6020583}" type="datetimeFigureOut">
               <a:rPr lang="en-US" dirty="0"/>
-              <a:t>1/13/2023</a:t>
+              <a:t>1/18/2023</a:t>
             </a:fld>
             <a:endParaRPr lang="en-US" dirty="0"/>
           </a:p>
@@ -2104,7 +2105,7 @@
           <a:p>
             <a:fld id="{87DE6118-2437-4B30-8E3C-4D2BE6020583}" type="datetimeFigureOut">
               <a:rPr lang="en-US" dirty="0"/>
-              <a:t>1/13/2023</a:t>
+              <a:t>1/18/2023</a:t>
             </a:fld>
             <a:endParaRPr lang="en-US" dirty="0"/>
           </a:p>
@@ -2217,7 +2218,7 @@
           <a:p>
             <a:fld id="{87DE6118-2437-4B30-8E3C-4D2BE6020583}" type="datetimeFigureOut">
               <a:rPr lang="en-US" dirty="0"/>
-              <a:t>1/13/2023</a:t>
+              <a:t>1/18/2023</a:t>
             </a:fld>
             <a:endParaRPr lang="en-US" dirty="0"/>
           </a:p>
@@ -2307,7 +2308,7 @@
           <a:p>
             <a:fld id="{87DE6118-2437-4B30-8E3C-4D2BE6020583}" type="datetimeFigureOut">
               <a:rPr lang="en-US" dirty="0"/>
-              <a:t>1/13/2023</a:t>
+              <a:t>1/18/2023</a:t>
             </a:fld>
             <a:endParaRPr lang="en-US" dirty="0"/>
           </a:p>
@@ -2649,7 +2650,7 @@
             <a:fld id="{87DE6118-2437-4B30-8E3C-4D2BE6020583}" type="datetimeFigureOut">
               <a:rPr lang="en-US" dirty="0"/>
               <a:pPr/>
-              <a:t>1/13/2023</a:t>
+              <a:t>1/18/2023</a:t>
             </a:fld>
             <a:endParaRPr lang="en-US" dirty="0"/>
           </a:p>
@@ -3034,7 +3035,7 @@
             <a:fld id="{87DE6118-2437-4B30-8E3C-4D2BE6020583}" type="datetimeFigureOut">
               <a:rPr lang="en-US" dirty="0"/>
               <a:pPr/>
-              <a:t>1/13/2023</a:t>
+              <a:t>1/18/2023</a:t>
             </a:fld>
             <a:endParaRPr lang="en-US" dirty="0"/>
           </a:p>
@@ -3309,7 +3310,7 @@
             <a:fld id="{87DE6118-2437-4B30-8E3C-4D2BE6020583}" type="datetimeFigureOut">
               <a:rPr lang="en-US" dirty="0"/>
               <a:pPr/>
-              <a:t>1/13/2023</a:t>
+              <a:t>1/18/2023</a:t>
             </a:fld>
             <a:endParaRPr lang="en-US" dirty="0"/>
           </a:p>
@@ -3938,6 +3939,105 @@
           <a:chExt cx="0" cy="0"/>
         </a:xfrm>
       </p:grpSpPr>
+      <p:pic>
+        <p:nvPicPr>
+          <p:cNvPr id="3" name="Рисунок 2">
+            <a:extLst>
+              <a:ext uri="{FF2B5EF4-FFF2-40B4-BE49-F238E27FC236}">
+                <a16:creationId xmlns:a16="http://schemas.microsoft.com/office/drawing/2014/main" id="{90C883C1-ABA7-E01D-9FDE-8787BE7D27B9}"/>
+              </a:ext>
+            </a:extLst>
+          </p:cNvPr>
+          <p:cNvPicPr>
+            <a:picLocks noChangeAspect="1"/>
+          </p:cNvPicPr>
+          <p:nvPr/>
+        </p:nvPicPr>
+        <p:blipFill>
+          <a:blip r:embed="rId2"/>
+          <a:stretch>
+            <a:fillRect/>
+          </a:stretch>
+        </p:blipFill>
+        <p:spPr>
+          <a:xfrm>
+            <a:off x="1300766" y="846120"/>
+            <a:ext cx="9865215" cy="5165759"/>
+          </a:xfrm>
+          <a:prstGeom prst="rect">
+            <a:avLst/>
+          </a:prstGeom>
+        </p:spPr>
+      </p:pic>
+      <p:sp>
+        <p:nvSpPr>
+          <p:cNvPr id="2" name="TextBox 1">
+            <a:extLst>
+              <a:ext uri="{FF2B5EF4-FFF2-40B4-BE49-F238E27FC236}">
+                <a16:creationId xmlns:a16="http://schemas.microsoft.com/office/drawing/2014/main" id="{F8D08776-29EE-7A01-32A0-2D108E783BF4}"/>
+              </a:ext>
+            </a:extLst>
+          </p:cNvPr>
+          <p:cNvSpPr txBox="1"/>
+          <p:nvPr/>
+        </p:nvSpPr>
+        <p:spPr>
+          <a:xfrm>
+            <a:off x="1300766" y="218941"/>
+            <a:ext cx="4494727" cy="369332"/>
+          </a:xfrm>
+          <a:prstGeom prst="rect">
+            <a:avLst/>
+          </a:prstGeom>
+          <a:noFill/>
+        </p:spPr>
+        <p:txBody>
+          <a:bodyPr wrap="square" rtlCol="0">
+            <a:spAutoFit/>
+          </a:bodyPr>
+          <a:lstStyle/>
+          <a:p>
+            <a:r>
+              <a:rPr lang="ru-RU" dirty="0"/>
+              <a:t>Создание карты на </a:t>
+            </a:r>
+            <a:r>
+              <a:rPr lang="en-US" dirty="0"/>
+              <a:t>Tiled</a:t>
+            </a:r>
+          </a:p>
+        </p:txBody>
+      </p:sp>
+    </p:spTree>
+    <p:extLst>
+      <p:ext uri="{BB962C8B-B14F-4D97-AF65-F5344CB8AC3E}">
+        <p14:creationId xmlns:p14="http://schemas.microsoft.com/office/powerpoint/2010/main" val="475077376"/>
+      </p:ext>
+    </p:extLst>
+  </p:cSld>
+  <p:clrMapOvr>
+    <a:masterClrMapping/>
+  </p:clrMapOvr>
+</p:sld>
+</file>
+
+<file path=ppt/slides/slide11.xml><?xml version="1.0" encoding="utf-8"?>
+<p:sld xmlns:a="http://schemas.openxmlformats.org/drawingml/2006/main" xmlns:r="http://schemas.openxmlformats.org/officeDocument/2006/relationships" xmlns:p="http://schemas.openxmlformats.org/presentationml/2006/main">
+  <p:cSld>
+    <p:spTree>
+      <p:nvGrpSpPr>
+        <p:cNvPr id="1" name=""/>
+        <p:cNvGrpSpPr/>
+        <p:nvPr/>
+      </p:nvGrpSpPr>
+      <p:grpSpPr>
+        <a:xfrm>
+          <a:off x="0" y="0"/>
+          <a:ext cx="0" cy="0"/>
+          <a:chOff x="0" y="0"/>
+          <a:chExt cx="0" cy="0"/>
+        </a:xfrm>
+      </p:grpSpPr>
       <p:sp>
         <p:nvSpPr>
           <p:cNvPr id="2" name="Заголовок 1">
@@ -3954,46 +4054,27 @@
             <p:ph type="title"/>
           </p:nvPr>
         </p:nvSpPr>
-        <p:spPr/>
+        <p:spPr>
+          <a:xfrm>
+            <a:off x="618187" y="1300767"/>
+            <a:ext cx="10146176" cy="4063944"/>
+          </a:xfrm>
+        </p:spPr>
         <p:txBody>
           <a:bodyPr>
-            <a:normAutofit fontScale="90000"/>
+            <a:noAutofit/>
           </a:bodyPr>
           <a:lstStyle/>
           <a:p>
             <a:r>
-              <a:rPr lang="ru-RU" dirty="0"/>
+              <a:rPr lang="ru-RU" sz="13800" dirty="0"/>
               <a:t>Спасибо за внимание</a:t>
             </a:r>
-            <a:br>
-              <a:rPr lang="ru-RU" dirty="0"/>
-            </a:br>
-            <a:endParaRPr lang="ru-RU" dirty="0"/>
-          </a:p>
-        </p:txBody>
-      </p:sp>
-      <p:sp>
-        <p:nvSpPr>
-          <p:cNvPr id="3" name="Текст 2">
-            <a:extLst>
-              <a:ext uri="{FF2B5EF4-FFF2-40B4-BE49-F238E27FC236}">
-                <a16:creationId xmlns:a16="http://schemas.microsoft.com/office/drawing/2014/main" id="{6FBD3DB1-82AE-4693-A99D-DAFE7C695C2C}"/>
-              </a:ext>
-            </a:extLst>
-          </p:cNvPr>
-          <p:cNvSpPr>
-            <a:spLocks noGrp="1"/>
-          </p:cNvSpPr>
-          <p:nvPr>
-            <p:ph type="body" idx="1"/>
-          </p:nvPr>
-        </p:nvSpPr>
-        <p:spPr/>
-        <p:txBody>
-          <a:bodyPr/>
-          <a:lstStyle/>
-          <a:p>
-            <a:endParaRPr lang="ru-RU" dirty="0"/>
+            <a:r>
+              <a:rPr lang="en-US" sz="13800" dirty="0"/>
+              <a:t>!</a:t>
+            </a:r>
+            <a:endParaRPr lang="ru-RU" sz="13800" dirty="0"/>
           </a:p>
         </p:txBody>
       </p:sp>
@@ -4073,11 +4154,13 @@
         </p:nvSpPr>
         <p:spPr/>
         <p:txBody>
-          <a:bodyPr/>
+          <a:bodyPr>
+            <a:normAutofit/>
+          </a:bodyPr>
           <a:lstStyle/>
           <a:p>
             <a:r>
-              <a:rPr lang="ru-RU" dirty="0">
+              <a:rPr lang="ru-RU" sz="3200" dirty="0">
                 <a:solidFill>
                   <a:srgbClr val="000000"/>
                 </a:solidFill>
@@ -4086,7 +4169,7 @@
               <a:t>С</a:t>
             </a:r>
             <a:r>
-              <a:rPr lang="ru-RU" i="0" dirty="0">
+              <a:rPr lang="ru-RU" sz="3200" i="0" dirty="0">
                 <a:solidFill>
                   <a:srgbClr val="000000"/>
                 </a:solidFill>
@@ -4096,51 +4179,19 @@
               <a:t>оздать игру для одного игрока </a:t>
             </a:r>
             <a:r>
-              <a:rPr lang="ru-RU" b="0" i="0" dirty="0">
+              <a:rPr lang="ru-RU" sz="3200" b="0" i="0" dirty="0">
                 <a:solidFill>
                   <a:srgbClr val="000000"/>
                 </a:solidFill>
                 <a:effectLst/>
                 <a:latin typeface="+mj-lt"/>
               </a:rPr>
-              <a:t>которая будет иметь свой сюжет и геймплей, и в то же время должна быть интересна как игрокам в нее играя так и разработчикам. </a:t>
-            </a:r>
-          </a:p>
-          <a:p>
-            <a:r>
-              <a:rPr lang="ru-RU" b="0" i="0" dirty="0">
-                <a:solidFill>
-                  <a:srgbClr val="000000"/>
-                </a:solidFill>
-                <a:effectLst/>
-                <a:latin typeface="+mj-lt"/>
-              </a:rPr>
-              <a:t>Проект основан на </a:t>
-            </a:r>
-            <a:r>
-              <a:rPr lang="ru-RU" b="1" i="0" dirty="0">
-                <a:solidFill>
-                  <a:srgbClr val="000000"/>
-                </a:solidFill>
-                <a:effectLst/>
-                <a:latin typeface="+mj-lt"/>
-              </a:rPr>
-              <a:t>почти</a:t>
-            </a:r>
-            <a:r>
-              <a:rPr lang="ru-RU" b="0" i="0" dirty="0">
-                <a:solidFill>
-                  <a:srgbClr val="000000"/>
-                </a:solidFill>
-                <a:effectLst/>
-                <a:latin typeface="+mj-lt"/>
-              </a:rPr>
-              <a:t> реальных событиях. Игра будет с элементами стратегии и RPG. </a:t>
-            </a:r>
-          </a:p>
-          <a:p>
-            <a:r>
-              <a:rPr lang="ru-RU" b="0" i="0" dirty="0">
+              <a:t>которая должна быть интересна как игрокам в нее играя, так и разработчикам. </a:t>
+            </a:r>
+          </a:p>
+          <a:p>
+            <a:r>
+              <a:rPr lang="ru-RU" sz="3200" b="0" i="0" dirty="0">
                 <a:solidFill>
                   <a:srgbClr val="000000"/>
                 </a:solidFill>
@@ -4149,7 +4200,7 @@
               </a:rPr>
               <a:t>Создать враждебных существ, которые будут не давать спокойно играть</a:t>
             </a:r>
-            <a:endParaRPr lang="ru-RU" dirty="0">
+            <a:endParaRPr lang="ru-RU" sz="3200" dirty="0">
               <a:latin typeface="+mj-lt"/>
             </a:endParaRPr>
           </a:p>
@@ -4312,16 +4363,21 @@
             <p:ph idx="1"/>
           </p:nvPr>
         </p:nvSpPr>
-        <p:spPr/>
+        <p:spPr>
+          <a:xfrm>
+            <a:off x="1371600" y="2286000"/>
+            <a:ext cx="5054958" cy="3581400"/>
+          </a:xfrm>
+        </p:spPr>
         <p:txBody>
           <a:bodyPr vert="horz" lIns="91440" tIns="45720" rIns="91440" bIns="45720" rtlCol="0" anchor="t">
-            <a:normAutofit/>
+            <a:normAutofit fontScale="92500" lnSpcReduction="10000"/>
           </a:bodyPr>
           <a:lstStyle/>
           <a:p>
             <a:pPr marL="383540" indent="-383540"/>
             <a:r>
-              <a:rPr lang="ru-RU" i="0" dirty="0">
+              <a:rPr lang="ru-RU" sz="2800" i="0" dirty="0">
                 <a:solidFill>
                   <a:srgbClr val="000000"/>
                 </a:solidFill>
@@ -4331,7 +4387,7 @@
               <a:t>Сюжет заключается в том что </a:t>
             </a:r>
             <a:r>
-              <a:rPr lang="ru-RU" dirty="0">
+              <a:rPr lang="ru-RU" sz="2800" dirty="0">
                 <a:solidFill>
                   <a:srgbClr val="000000"/>
                 </a:solidFill>
@@ -4339,7 +4395,7 @@
               </a:rPr>
               <a:t>на деревню главного героя напали монстры, он должен разобраться с этим, а также отомстить</a:t>
             </a:r>
-            <a:endParaRPr lang="ru-RU" b="0" i="0" dirty="0">
+            <a:endParaRPr lang="ru-RU" sz="2800" b="0" i="0" dirty="0">
               <a:solidFill>
                 <a:srgbClr val="000000"/>
               </a:solidFill>
@@ -4350,17 +4406,37 @@
           <a:p>
             <a:pPr marL="383540" indent="-383540"/>
             <a:r>
-              <a:rPr lang="ru-RU" b="0" i="0" dirty="0">
+              <a:rPr lang="ru-RU" sz="2800" b="0" i="0" dirty="0">
                 <a:solidFill>
                   <a:srgbClr val="000000"/>
                 </a:solidFill>
                 <a:effectLst/>
                 <a:latin typeface="+mj-lt"/>
               </a:rPr>
-              <a:t>Игра имеет множество уровней для прохождения.</a:t>
-            </a:r>
-            <a:r>
-              <a:rPr lang="ru-RU" dirty="0">
+              <a:t>Игра имеет </a:t>
+            </a:r>
+            <a:r>
+              <a:rPr lang="ru-RU" sz="2800" b="0" i="0" dirty="0" err="1">
+                <a:solidFill>
+                  <a:srgbClr val="000000"/>
+                </a:solidFill>
+                <a:effectLst/>
+                <a:latin typeface="+mj-lt"/>
+              </a:rPr>
+              <a:t>несколлько</a:t>
+            </a:r>
+            <a:r>
+              <a:rPr lang="ru-RU" sz="2800" b="0" i="0" dirty="0">
+                <a:solidFill>
+                  <a:srgbClr val="000000"/>
+                </a:solidFill>
+                <a:effectLst/>
+                <a:latin typeface="+mj-lt"/>
+              </a:rPr>
+              <a:t> уровней для прохождения.</a:t>
+            </a:r>
+            <a:r>
+              <a:rPr lang="ru-RU" sz="2800" dirty="0">
                 <a:solidFill>
                   <a:srgbClr val="000000"/>
                 </a:solidFill>
@@ -4368,7 +4444,7 @@
               </a:rPr>
               <a:t> </a:t>
             </a:r>
-            <a:endParaRPr lang="ru-RU" b="0" i="0" dirty="0">
+            <a:endParaRPr lang="ru-RU" sz="2800" b="0" i="0" dirty="0">
               <a:solidFill>
                 <a:srgbClr val="000000"/>
               </a:solidFill>
@@ -4379,36 +4455,7 @@
           <a:p>
             <a:pPr marL="383540" indent="-383540"/>
             <a:r>
-              <a:rPr lang="ru-RU" b="0" i="0" dirty="0">
-                <a:solidFill>
-                  <a:srgbClr val="000000"/>
-                </a:solidFill>
-                <a:effectLst/>
-                <a:latin typeface="+mj-lt"/>
-              </a:rPr>
-              <a:t>Вы должны </a:t>
-            </a:r>
-            <a:r>
-              <a:rPr lang="ru-RU" dirty="0">
-                <a:solidFill>
-                  <a:srgbClr val="000000"/>
-                </a:solidFill>
-                <a:latin typeface="+mj-lt"/>
-              </a:rPr>
-              <a:t>добраться до того, кто стоит за нападениями монстров на мирных жителей</a:t>
-            </a:r>
-            <a:endParaRPr lang="ru-RU" b="0" i="0" dirty="0">
-              <a:solidFill>
-                <a:srgbClr val="000000"/>
-              </a:solidFill>
-              <a:effectLst/>
-              <a:latin typeface="+mj-lt"/>
-            </a:endParaRPr>
-          </a:p>
-          <a:p>
-            <a:pPr marL="383540" indent="-383540"/>
-            <a:r>
-              <a:rPr lang="ru-RU" b="0" i="0" dirty="0">
+              <a:rPr lang="ru-RU" sz="2800" b="0" i="0" dirty="0">
                 <a:solidFill>
                   <a:srgbClr val="000000"/>
                 </a:solidFill>
@@ -4417,12 +4464,42 @@
               </a:rPr>
               <a:t>Для этого вам нужно пройти каждый уровень.</a:t>
             </a:r>
-            <a:endParaRPr lang="ru-RU" dirty="0">
+            <a:endParaRPr lang="ru-RU" sz="2800" dirty="0">
               <a:latin typeface="+mj-lt"/>
             </a:endParaRPr>
           </a:p>
         </p:txBody>
       </p:sp>
+      <p:pic>
+        <p:nvPicPr>
+          <p:cNvPr id="5" name="Рисунок 4">
+            <a:extLst>
+              <a:ext uri="{FF2B5EF4-FFF2-40B4-BE49-F238E27FC236}">
+                <a16:creationId xmlns:a16="http://schemas.microsoft.com/office/drawing/2014/main" id="{7C2BC6D4-7407-5133-AE27-C5B210A0DA66}"/>
+              </a:ext>
+            </a:extLst>
+          </p:cNvPr>
+          <p:cNvPicPr>
+            <a:picLocks noChangeAspect="1"/>
+          </p:cNvPicPr>
+          <p:nvPr/>
+        </p:nvPicPr>
+        <p:blipFill>
+          <a:blip r:embed="rId2"/>
+          <a:stretch>
+            <a:fillRect/>
+          </a:stretch>
+        </p:blipFill>
+        <p:spPr>
+          <a:xfrm>
+            <a:off x="6774287" y="1694440"/>
+            <a:ext cx="4835888" cy="4835888"/>
+          </a:xfrm>
+          <a:prstGeom prst="rect">
+            <a:avLst/>
+          </a:prstGeom>
+        </p:spPr>
+      </p:pic>
     </p:spTree>
     <p:extLst>
       <p:ext uri="{BB962C8B-B14F-4D97-AF65-F5344CB8AC3E}">
@@ -4469,7 +4546,12 @@
             <p:ph type="ctrTitle"/>
           </p:nvPr>
         </p:nvSpPr>
-        <p:spPr/>
+        <p:spPr>
+          <a:xfrm>
+            <a:off x="1915385" y="1483174"/>
+            <a:ext cx="8361229" cy="2098226"/>
+          </a:xfrm>
+        </p:spPr>
         <p:txBody>
           <a:bodyPr/>
           <a:lstStyle/>
@@ -4483,29 +4565,79 @@
       </p:sp>
       <p:sp>
         <p:nvSpPr>
-          <p:cNvPr id="3" name="Подзаголовок 2">
+          <p:cNvPr id="5" name="AutoShape 4" descr="гаечные ключи скачать бесплатно - Инструмент гаечные ключи разводной  гаечный ключ - логотип ключи">
             <a:extLst>
               <a:ext uri="{FF2B5EF4-FFF2-40B4-BE49-F238E27FC236}">
-                <a16:creationId xmlns:a16="http://schemas.microsoft.com/office/drawing/2014/main" id="{19656EBA-AEE2-6EB4-314E-9CA04F6521C8}"/>
+                <a16:creationId xmlns:a16="http://schemas.microsoft.com/office/drawing/2014/main" id="{E1C45F10-EF11-9C38-590D-4E9AD5FEA3BD}"/>
               </a:ext>
             </a:extLst>
           </p:cNvPr>
           <p:cNvSpPr>
-            <a:spLocks noGrp="1"/>
-          </p:cNvSpPr>
-          <p:nvPr>
-            <p:ph type="subTitle" idx="1"/>
-          </p:nvPr>
-        </p:nvSpPr>
-        <p:spPr/>
-        <p:txBody>
-          <a:bodyPr/>
+            <a:spLocks noChangeAspect="1" noChangeArrowheads="1"/>
+          </p:cNvSpPr>
+          <p:nvPr/>
+        </p:nvSpPr>
+        <p:spPr bwMode="auto">
+          <a:xfrm>
+            <a:off x="5943600" y="3276600"/>
+            <a:ext cx="304800" cy="304800"/>
+          </a:xfrm>
+          <a:prstGeom prst="rect">
+            <a:avLst/>
+          </a:prstGeom>
+          <a:noFill/>
+          <a:extLst>
+            <a:ext uri="{909E8E84-426E-40DD-AFC4-6F175D3DCCD1}">
+              <a14:hiddenFill xmlns:a14="http://schemas.microsoft.com/office/drawing/2010/main">
+                <a:solidFill>
+                  <a:srgbClr val="FFFFFF"/>
+                </a:solidFill>
+              </a14:hiddenFill>
+            </a:ext>
+          </a:extLst>
+        </p:spPr>
+        <p:txBody>
+          <a:bodyPr vert="horz" wrap="square" lIns="91440" tIns="45720" rIns="91440" bIns="45720" numCol="1" anchor="t" anchorCtr="0" compatLnSpc="1">
+            <a:prstTxWarp prst="textNoShape">
+              <a:avLst/>
+            </a:prstTxWarp>
+          </a:bodyPr>
           <a:lstStyle/>
           <a:p>
             <a:endParaRPr lang="ru-RU"/>
           </a:p>
         </p:txBody>
       </p:sp>
+      <p:pic>
+        <p:nvPicPr>
+          <p:cNvPr id="7" name="Рисунок 6">
+            <a:extLst>
+              <a:ext uri="{FF2B5EF4-FFF2-40B4-BE49-F238E27FC236}">
+                <a16:creationId xmlns:a16="http://schemas.microsoft.com/office/drawing/2014/main" id="{9BE1035E-DF3B-065F-39A5-3313CD0D0C04}"/>
+              </a:ext>
+            </a:extLst>
+          </p:cNvPr>
+          <p:cNvPicPr>
+            <a:picLocks noChangeAspect="1"/>
+          </p:cNvPicPr>
+          <p:nvPr/>
+        </p:nvPicPr>
+        <p:blipFill>
+          <a:blip r:embed="rId2"/>
+          <a:stretch>
+            <a:fillRect/>
+          </a:stretch>
+        </p:blipFill>
+        <p:spPr>
+          <a:xfrm>
+            <a:off x="4584879" y="3581400"/>
+            <a:ext cx="2717442" cy="2717442"/>
+          </a:xfrm>
+          <a:prstGeom prst="rect">
+            <a:avLst/>
+          </a:prstGeom>
+        </p:spPr>
+      </p:pic>
     </p:spTree>
     <p:extLst>
       <p:ext uri="{BB962C8B-B14F-4D97-AF65-F5344CB8AC3E}">
@@ -4657,12 +4789,12 @@
         <p:spPr>
           <a:xfrm>
             <a:off x="1371600" y="2286000"/>
-            <a:ext cx="10579994" cy="3581400"/>
+            <a:ext cx="5016321" cy="3581400"/>
           </a:xfrm>
         </p:spPr>
         <p:txBody>
           <a:bodyPr>
-            <a:normAutofit/>
+            <a:normAutofit fontScale="77500" lnSpcReduction="20000"/>
           </a:bodyPr>
           <a:lstStyle/>
           <a:p>
@@ -4691,6 +4823,65 @@
           </a:p>
         </p:txBody>
       </p:sp>
+      <p:pic>
+        <p:nvPicPr>
+          <p:cNvPr id="5" name="Рисунок 4">
+            <a:extLst>
+              <a:ext uri="{FF2B5EF4-FFF2-40B4-BE49-F238E27FC236}">
+                <a16:creationId xmlns:a16="http://schemas.microsoft.com/office/drawing/2014/main" id="{A06F3367-66B9-35C9-5112-CFE96037C5C9}"/>
+              </a:ext>
+            </a:extLst>
+          </p:cNvPr>
+          <p:cNvPicPr>
+            <a:picLocks noChangeAspect="1"/>
+          </p:cNvPicPr>
+          <p:nvPr/>
+        </p:nvPicPr>
+        <p:blipFill rotWithShape="1">
+          <a:blip r:embed="rId2"/>
+          <a:srcRect l="35854" t="36309" r="32362" b="32875"/>
+          <a:stretch/>
+        </p:blipFill>
+        <p:spPr>
+          <a:xfrm>
+            <a:off x="5621627" y="571500"/>
+            <a:ext cx="1532587" cy="1485900"/>
+          </a:xfrm>
+          <a:prstGeom prst="rect">
+            <a:avLst/>
+          </a:prstGeom>
+        </p:spPr>
+      </p:pic>
+      <p:pic>
+        <p:nvPicPr>
+          <p:cNvPr id="7" name="Рисунок 6">
+            <a:extLst>
+              <a:ext uri="{FF2B5EF4-FFF2-40B4-BE49-F238E27FC236}">
+                <a16:creationId xmlns:a16="http://schemas.microsoft.com/office/drawing/2014/main" id="{38B6DB1D-B9C9-0C1A-0C79-41B516B59BF5}"/>
+              </a:ext>
+            </a:extLst>
+          </p:cNvPr>
+          <p:cNvPicPr>
+            <a:picLocks noChangeAspect="1"/>
+          </p:cNvPicPr>
+          <p:nvPr/>
+        </p:nvPicPr>
+        <p:blipFill>
+          <a:blip r:embed="rId3"/>
+          <a:stretch>
+            <a:fillRect/>
+          </a:stretch>
+        </p:blipFill>
+        <p:spPr>
+          <a:xfrm>
+            <a:off x="7154214" y="2030266"/>
+            <a:ext cx="3292585" cy="4092867"/>
+          </a:xfrm>
+          <a:prstGeom prst="rect">
+            <a:avLst/>
+          </a:prstGeom>
+        </p:spPr>
+      </p:pic>
     </p:spTree>
     <p:extLst>
       <p:ext uri="{BB962C8B-B14F-4D97-AF65-F5344CB8AC3E}">
@@ -4749,31 +4940,64 @@
           </a:p>
         </p:txBody>
       </p:sp>
-      <p:sp>
-        <p:nvSpPr>
-          <p:cNvPr id="3" name="Подзаголовок 2">
+      <p:pic>
+        <p:nvPicPr>
+          <p:cNvPr id="4" name="Рисунок 3">
             <a:extLst>
               <a:ext uri="{FF2B5EF4-FFF2-40B4-BE49-F238E27FC236}">
-                <a16:creationId xmlns:a16="http://schemas.microsoft.com/office/drawing/2014/main" id="{D723A104-BA17-56EC-6608-B5B3B29AB2FB}"/>
+                <a16:creationId xmlns:a16="http://schemas.microsoft.com/office/drawing/2014/main" id="{C3B7ECFB-3DB9-35F3-4155-500CDC040CED}"/>
               </a:ext>
             </a:extLst>
           </p:cNvPr>
-          <p:cNvSpPr>
-            <a:spLocks noGrp="1"/>
-          </p:cNvSpPr>
-          <p:nvPr>
-            <p:ph type="subTitle" idx="1"/>
-          </p:nvPr>
-        </p:nvSpPr>
-        <p:spPr/>
-        <p:txBody>
-          <a:bodyPr/>
-          <a:lstStyle/>
-          <a:p>
-            <a:endParaRPr lang="ru-RU"/>
-          </a:p>
-        </p:txBody>
-      </p:sp>
+          <p:cNvPicPr>
+            <a:picLocks noChangeAspect="1"/>
+          </p:cNvPicPr>
+          <p:nvPr/>
+        </p:nvPicPr>
+        <p:blipFill rotWithShape="1">
+          <a:blip r:embed="rId2"/>
+          <a:srcRect r="42402"/>
+          <a:stretch/>
+        </p:blipFill>
+        <p:spPr>
+          <a:xfrm>
+            <a:off x="1490125" y="4392309"/>
+            <a:ext cx="4053804" cy="1789811"/>
+          </a:xfrm>
+          <a:prstGeom prst="rect">
+            <a:avLst/>
+          </a:prstGeom>
+        </p:spPr>
+      </p:pic>
+      <p:pic>
+        <p:nvPicPr>
+          <p:cNvPr id="5" name="Рисунок 4">
+            <a:extLst>
+              <a:ext uri="{FF2B5EF4-FFF2-40B4-BE49-F238E27FC236}">
+                <a16:creationId xmlns:a16="http://schemas.microsoft.com/office/drawing/2014/main" id="{4B101FC3-6262-0A0A-698D-A0FAFE92569A}"/>
+              </a:ext>
+            </a:extLst>
+          </p:cNvPr>
+          <p:cNvPicPr>
+            <a:picLocks noChangeAspect="1"/>
+          </p:cNvPicPr>
+          <p:nvPr/>
+        </p:nvPicPr>
+        <p:blipFill rotWithShape="1">
+          <a:blip r:embed="rId2"/>
+          <a:srcRect l="59222" t="-3366" b="-1"/>
+          <a:stretch/>
+        </p:blipFill>
+        <p:spPr>
+          <a:xfrm>
+            <a:off x="7152950" y="143194"/>
+            <a:ext cx="3575151" cy="2279261"/>
+          </a:xfrm>
+          <a:prstGeom prst="rect">
+            <a:avLst/>
+          </a:prstGeom>
+        </p:spPr>
+      </p:pic>
     </p:spTree>
     <p:extLst>
       <p:ext uri="{BB962C8B-B14F-4D97-AF65-F5344CB8AC3E}">
@@ -4890,10 +5114,10 @@
       </p:sp>
       <p:pic>
         <p:nvPicPr>
-          <p:cNvPr id="7" name="Рисунок 6">
+          <p:cNvPr id="5" name="Рисунок 4">
             <a:extLst>
               <a:ext uri="{FF2B5EF4-FFF2-40B4-BE49-F238E27FC236}">
-                <a16:creationId xmlns:a16="http://schemas.microsoft.com/office/drawing/2014/main" id="{57FFB075-C070-78DB-0B0E-D5ED112F97FE}"/>
+                <a16:creationId xmlns:a16="http://schemas.microsoft.com/office/drawing/2014/main" id="{9731B19A-EDA1-2D55-71AA-B85EDCCCC622}"/>
               </a:ext>
             </a:extLst>
           </p:cNvPr>
@@ -4904,42 +5128,13 @@
         </p:nvPicPr>
         <p:blipFill rotWithShape="1">
           <a:blip r:embed="rId2"/>
-          <a:srcRect r="42402"/>
+          <a:srcRect l="18385" t="20892" r="28069" b="17700"/>
           <a:stretch/>
         </p:blipFill>
         <p:spPr>
           <a:xfrm>
-            <a:off x="6096000" y="-34612"/>
-            <a:ext cx="5719103" cy="2525064"/>
-          </a:xfrm>
-          <a:prstGeom prst="rect">
-            <a:avLst/>
-          </a:prstGeom>
-        </p:spPr>
-      </p:pic>
-      <p:pic>
-        <p:nvPicPr>
-          <p:cNvPr id="9" name="Рисунок 8">
-            <a:extLst>
-              <a:ext uri="{FF2B5EF4-FFF2-40B4-BE49-F238E27FC236}">
-                <a16:creationId xmlns:a16="http://schemas.microsoft.com/office/drawing/2014/main" id="{00504FCE-C3A1-F0BA-0AC2-BE1CE480DCFA}"/>
-              </a:ext>
-            </a:extLst>
-          </p:cNvPr>
-          <p:cNvPicPr>
-            <a:picLocks noChangeAspect="1"/>
-          </p:cNvPicPr>
-          <p:nvPr/>
-        </p:nvPicPr>
-        <p:blipFill rotWithShape="1">
-          <a:blip r:embed="rId2"/>
-          <a:srcRect l="59222" t="-3366" b="-1"/>
-          <a:stretch/>
-        </p:blipFill>
-        <p:spPr>
-          <a:xfrm>
-            <a:off x="6740826" y="2733629"/>
-            <a:ext cx="5125792" cy="3267839"/>
+            <a:off x="7443988" y="785611"/>
+            <a:ext cx="4237149" cy="4211391"/>
           </a:xfrm>
           <a:prstGeom prst="rect">
             <a:avLst/>
